--- a/Presentation_CDR.pptx
+++ b/Presentation_CDR.pptx
@@ -16,8 +16,8 @@
     <p:sldId id="259" r:id="rId7"/>
     <p:sldId id="258" r:id="rId8"/>
     <p:sldId id="265" r:id="rId9"/>
-    <p:sldId id="264" r:id="rId10"/>
-    <p:sldId id="270" r:id="rId11"/>
+    <p:sldId id="270" r:id="rId10"/>
+    <p:sldId id="264" r:id="rId11"/>
     <p:sldId id="271" r:id="rId12"/>
     <p:sldId id="272" r:id="rId13"/>
     <p:sldId id="273" r:id="rId14"/>
@@ -12038,7 +12038,15 @@
           <a:p>
             <a:r>
               <a:rPr lang="en-US" dirty="0" smtClean="0"/>
-              <a:t>Lucia Eve, Simon, Selena, Oscar &amp;  Jessica </a:t>
+              <a:t>Lucia Eve, Simon, </a:t>
+            </a:r>
+            <a:r>
+              <a:rPr lang="en-US" dirty="0" smtClean="0"/>
+              <a:t>Serena</a:t>
+            </a:r>
+            <a:r>
+              <a:rPr lang="en-US" dirty="0" smtClean="0"/>
+              <a:t>, Oscar &amp;  Jessica </a:t>
             </a:r>
             <a:endParaRPr lang="en-US" dirty="0"/>
           </a:p>
@@ -12146,12 +12154,18 @@
         </p:nvSpPr>
         <p:spPr/>
         <p:txBody>
-          <a:bodyPr/>
+          <a:bodyPr>
+            <a:normAutofit/>
+          </a:bodyPr>
           <a:lstStyle/>
           <a:p>
             <a:r>
               <a:rPr lang="en-US" dirty="0" smtClean="0"/>
-              <a:t>4.2 CAD (CONT.)</a:t>
+              <a:t>4.2 </a:t>
+            </a:r>
+            <a:r>
+              <a:rPr lang="en-US" dirty="0" smtClean="0"/>
+              <a:t>CAD Implementations</a:t>
             </a:r>
             <a:endParaRPr lang="en-US" dirty="0"/>
           </a:p>
@@ -12159,7 +12173,7 @@
       </p:sp>
       <p:pic>
         <p:nvPicPr>
-          <p:cNvPr id="5" name="Content Placeholder 4"/>
+          <p:cNvPr id="4" name="Content Placeholder 3"/>
           <p:cNvPicPr>
             <a:picLocks noGrp="1" noChangeAspect="1"/>
           </p:cNvPicPr>
@@ -12181,37 +12195,14 @@
         </p:blipFill>
         <p:spPr>
           <a:xfrm>
-            <a:off x="2176614" y="2393032"/>
-            <a:ext cx="3973965" cy="3381766"/>
+            <a:off x="2231136" y="2653173"/>
+            <a:ext cx="3971242" cy="3101975"/>
           </a:xfrm>
         </p:spPr>
       </p:pic>
-      <p:sp>
-        <p:nvSpPr>
-          <p:cNvPr id="4" name="Date Placeholder 3"/>
-          <p:cNvSpPr>
-            <a:spLocks noGrp="1"/>
-          </p:cNvSpPr>
-          <p:nvPr>
-            <p:ph type="dt" sz="half" idx="10"/>
-          </p:nvPr>
-        </p:nvSpPr>
-        <p:spPr/>
-        <p:txBody>
-          <a:bodyPr/>
-          <a:lstStyle/>
-          <a:p>
-            <a:fld id="{84F2370F-FA68-ED45-AEDC-18C7A1CF3420}" type="datetime1">
-              <a:rPr lang="en-CA" smtClean="0"/>
-              <a:t>2017-01-24</a:t>
-            </a:fld>
-            <a:endParaRPr lang="en-US" dirty="0"/>
-          </a:p>
-        </p:txBody>
-      </p:sp>
       <p:pic>
         <p:nvPicPr>
-          <p:cNvPr id="6" name="Picture 5"/>
+          <p:cNvPr id="5" name="Picture 4"/>
           <p:cNvPicPr>
             <a:picLocks noChangeAspect="1"/>
           </p:cNvPicPr>
@@ -12231,8 +12222,8 @@
         </p:blipFill>
         <p:spPr>
           <a:xfrm>
-            <a:off x="6521855" y="2393032"/>
-            <a:ext cx="3439009" cy="4007768"/>
+            <a:off x="6202378" y="2653173"/>
+            <a:ext cx="3864922" cy="2220452"/>
           </a:xfrm>
           <a:prstGeom prst="rect">
             <a:avLst/>
@@ -12241,14 +12232,14 @@
       </p:pic>
       <p:sp>
         <p:nvSpPr>
-          <p:cNvPr id="7" name="Rectangle 6"/>
+          <p:cNvPr id="6" name="Rectangle 5"/>
           <p:cNvSpPr/>
           <p:nvPr/>
         </p:nvSpPr>
         <p:spPr>
           <a:xfrm>
-            <a:off x="2176613" y="5519277"/>
-            <a:ext cx="3973966" cy="881523"/>
+            <a:off x="6202378" y="4873625"/>
+            <a:ext cx="3864922" cy="881523"/>
           </a:xfrm>
           <a:prstGeom prst="rect">
             <a:avLst/>
@@ -12277,15 +12268,38 @@
             <a:pPr algn="ctr"/>
             <a:r>
               <a:rPr lang="en-US" dirty="0" smtClean="0"/>
-              <a:t>Fin Portion of Structure</a:t>
+              <a:t>Bottom Portion of Structure</a:t>
             </a:r>
+          </a:p>
+        </p:txBody>
+      </p:sp>
+      <p:sp>
+        <p:nvSpPr>
+          <p:cNvPr id="3" name="Date Placeholder 2"/>
+          <p:cNvSpPr>
+            <a:spLocks noGrp="1"/>
+          </p:cNvSpPr>
+          <p:nvPr>
+            <p:ph type="dt" sz="half" idx="10"/>
+          </p:nvPr>
+        </p:nvSpPr>
+        <p:spPr/>
+        <p:txBody>
+          <a:bodyPr/>
+          <a:lstStyle/>
+          <a:p>
+            <a:fld id="{3F9A5CE7-72E3-714B-8DF8-D74CAC16D5C6}" type="datetime1">
+              <a:rPr lang="en-CA" smtClean="0"/>
+              <a:t>2017-01-24</a:t>
+            </a:fld>
+            <a:endParaRPr lang="en-US" dirty="0"/>
           </a:p>
         </p:txBody>
       </p:sp>
     </p:spTree>
     <p:extLst>
       <p:ext uri="{BB962C8B-B14F-4D97-AF65-F5344CB8AC3E}">
-        <p14:creationId xmlns:p14="http://schemas.microsoft.com/office/powerpoint/2010/main" val="583971455"/>
+        <p14:creationId xmlns:p14="http://schemas.microsoft.com/office/powerpoint/2010/main" val="1666313382"/>
       </p:ext>
     </p:extLst>
   </p:cSld>
@@ -25406,14 +25420,20 @@
         </p:nvSpPr>
         <p:spPr/>
         <p:txBody>
-          <a:bodyPr>
-            <a:normAutofit/>
-          </a:bodyPr>
+          <a:bodyPr/>
           <a:lstStyle/>
           <a:p>
             <a:r>
               <a:rPr lang="en-US" dirty="0" smtClean="0"/>
-              <a:t>4.1 CAD Implementations</a:t>
+              <a:t>4.1 </a:t>
+            </a:r>
+            <a:r>
+              <a:rPr lang="en-US" dirty="0" smtClean="0"/>
+              <a:t>CAD </a:t>
+            </a:r>
+            <a:r>
+              <a:rPr lang="en-US" dirty="0" smtClean="0"/>
+              <a:t>(Preliminary)</a:t>
             </a:r>
             <a:endParaRPr lang="en-US" dirty="0"/>
           </a:p>
@@ -25421,7 +25441,7 @@
       </p:sp>
       <p:pic>
         <p:nvPicPr>
-          <p:cNvPr id="4" name="Content Placeholder 3"/>
+          <p:cNvPr id="5" name="Content Placeholder 4"/>
           <p:cNvPicPr>
             <a:picLocks noGrp="1" noChangeAspect="1"/>
           </p:cNvPicPr>
@@ -25443,14 +25463,37 @@
         </p:blipFill>
         <p:spPr>
           <a:xfrm>
-            <a:off x="2231136" y="2653173"/>
-            <a:ext cx="3971242" cy="3101975"/>
+            <a:off x="2176614" y="2393032"/>
+            <a:ext cx="3973965" cy="3381766"/>
           </a:xfrm>
         </p:spPr>
       </p:pic>
+      <p:sp>
+        <p:nvSpPr>
+          <p:cNvPr id="4" name="Date Placeholder 3"/>
+          <p:cNvSpPr>
+            <a:spLocks noGrp="1"/>
+          </p:cNvSpPr>
+          <p:nvPr>
+            <p:ph type="dt" sz="half" idx="10"/>
+          </p:nvPr>
+        </p:nvSpPr>
+        <p:spPr/>
+        <p:txBody>
+          <a:bodyPr/>
+          <a:lstStyle/>
+          <a:p>
+            <a:fld id="{84F2370F-FA68-ED45-AEDC-18C7A1CF3420}" type="datetime1">
+              <a:rPr lang="en-CA" smtClean="0"/>
+              <a:t>2017-01-24</a:t>
+            </a:fld>
+            <a:endParaRPr lang="en-US" dirty="0"/>
+          </a:p>
+        </p:txBody>
+      </p:sp>
       <p:pic>
         <p:nvPicPr>
-          <p:cNvPr id="5" name="Picture 4"/>
+          <p:cNvPr id="6" name="Picture 5"/>
           <p:cNvPicPr>
             <a:picLocks noChangeAspect="1"/>
           </p:cNvPicPr>
@@ -25470,8 +25513,8 @@
         </p:blipFill>
         <p:spPr>
           <a:xfrm>
-            <a:off x="6202378" y="2653173"/>
-            <a:ext cx="3864922" cy="2220452"/>
+            <a:off x="6521855" y="2393032"/>
+            <a:ext cx="3439009" cy="4007768"/>
           </a:xfrm>
           <a:prstGeom prst="rect">
             <a:avLst/>
@@ -25480,14 +25523,14 @@
       </p:pic>
       <p:sp>
         <p:nvSpPr>
-          <p:cNvPr id="6" name="Rectangle 5"/>
+          <p:cNvPr id="7" name="Rectangle 6"/>
           <p:cNvSpPr/>
           <p:nvPr/>
         </p:nvSpPr>
         <p:spPr>
           <a:xfrm>
-            <a:off x="6202378" y="4873625"/>
-            <a:ext cx="3864922" cy="881523"/>
+            <a:off x="2176613" y="5519277"/>
+            <a:ext cx="3973966" cy="881523"/>
           </a:xfrm>
           <a:prstGeom prst="rect">
             <a:avLst/>
@@ -25516,38 +25559,15 @@
             <a:pPr algn="ctr"/>
             <a:r>
               <a:rPr lang="en-US" dirty="0" smtClean="0"/>
-              <a:t>Bottom Portion of Structure</a:t>
+              <a:t>Fin Portion of Structure</a:t>
             </a:r>
-          </a:p>
-        </p:txBody>
-      </p:sp>
-      <p:sp>
-        <p:nvSpPr>
-          <p:cNvPr id="3" name="Date Placeholder 2"/>
-          <p:cNvSpPr>
-            <a:spLocks noGrp="1"/>
-          </p:cNvSpPr>
-          <p:nvPr>
-            <p:ph type="dt" sz="half" idx="10"/>
-          </p:nvPr>
-        </p:nvSpPr>
-        <p:spPr/>
-        <p:txBody>
-          <a:bodyPr/>
-          <a:lstStyle/>
-          <a:p>
-            <a:fld id="{3F9A5CE7-72E3-714B-8DF8-D74CAC16D5C6}" type="datetime1">
-              <a:rPr lang="en-CA" smtClean="0"/>
-              <a:t>2017-01-24</a:t>
-            </a:fld>
-            <a:endParaRPr lang="en-US" dirty="0"/>
           </a:p>
         </p:txBody>
       </p:sp>
     </p:spTree>
     <p:extLst>
       <p:ext uri="{BB962C8B-B14F-4D97-AF65-F5344CB8AC3E}">
-        <p14:creationId xmlns:p14="http://schemas.microsoft.com/office/powerpoint/2010/main" val="1666313382"/>
+        <p14:creationId xmlns:p14="http://schemas.microsoft.com/office/powerpoint/2010/main" val="583971455"/>
       </p:ext>
     </p:extLst>
   </p:cSld>
